--- a/report/Final Project.pptx
+++ b/report/Final Project.pptx
@@ -8,14 +8,14 @@
     <p:sldId id="256" r:id="rId2"/>
     <p:sldId id="257" r:id="rId3"/>
     <p:sldId id="258" r:id="rId4"/>
-    <p:sldId id="267" r:id="rId5"/>
-    <p:sldId id="259" r:id="rId6"/>
+    <p:sldId id="259" r:id="rId5"/>
+    <p:sldId id="260" r:id="rId6"/>
     <p:sldId id="261" r:id="rId7"/>
     <p:sldId id="268" r:id="rId8"/>
-    <p:sldId id="260" r:id="rId9"/>
-    <p:sldId id="262" r:id="rId10"/>
-    <p:sldId id="263" r:id="rId11"/>
-    <p:sldId id="264" r:id="rId12"/>
+    <p:sldId id="262" r:id="rId9"/>
+    <p:sldId id="263" r:id="rId10"/>
+    <p:sldId id="264" r:id="rId11"/>
+    <p:sldId id="269" r:id="rId12"/>
     <p:sldId id="266" r:id="rId13"/>
     <p:sldId id="265" r:id="rId14"/>
   </p:sldIdLst>
@@ -174,7 +174,7 @@
           <a:noFill/>
           <a:extLst>
             <a:ext uri="{909E8E84-426E-40dd-AFC4-6F175D3DCCD1}">
-              <a14:hiddenFill xmlns:a14="http://schemas.microsoft.com/office/drawing/2010/main" xmlns="">
+              <a14:hiddenFill xmlns="" xmlns:a14="http://schemas.microsoft.com/office/drawing/2010/main">
                 <a:solidFill>
                   <a:srgbClr val="FFFFFF"/>
                 </a:solidFill>
@@ -234,7 +234,7 @@
             </a:ln>
             <a:extLst>
               <a:ext uri="{91240B29-F687-4f45-9708-019B960494DF}">
-                <a14:hiddenLine xmlns:a14="http://schemas.microsoft.com/office/drawing/2010/main" xmlns="" w="9525">
+                <a14:hiddenLine xmlns="" xmlns:a14="http://schemas.microsoft.com/office/drawing/2010/main" w="9525">
                   <a:solidFill>
                     <a:srgbClr val="000000"/>
                   </a:solidFill>
@@ -324,7 +324,7 @@
             </a:ln>
             <a:extLst>
               <a:ext uri="{91240B29-F687-4f45-9708-019B960494DF}">
-                <a14:hiddenLine xmlns:a14="http://schemas.microsoft.com/office/drawing/2010/main" xmlns="" w="9525">
+                <a14:hiddenLine xmlns="" xmlns:a14="http://schemas.microsoft.com/office/drawing/2010/main" w="9525">
                   <a:solidFill>
                     <a:srgbClr val="000000"/>
                   </a:solidFill>
@@ -414,7 +414,7 @@
             </a:ln>
             <a:extLst>
               <a:ext uri="{91240B29-F687-4f45-9708-019B960494DF}">
-                <a14:hiddenLine xmlns:a14="http://schemas.microsoft.com/office/drawing/2010/main" xmlns="" w="9525">
+                <a14:hiddenLine xmlns="" xmlns:a14="http://schemas.microsoft.com/office/drawing/2010/main" w="9525">
                   <a:solidFill>
                     <a:srgbClr val="000000"/>
                   </a:solidFill>
@@ -448,7 +448,7 @@
             </a:ln>
             <a:extLst>
               <a:ext uri="{91240B29-F687-4f45-9708-019B960494DF}">
-                <a14:hiddenLine xmlns:a14="http://schemas.microsoft.com/office/drawing/2010/main" xmlns="" w="9525">
+                <a14:hiddenLine xmlns="" xmlns:a14="http://schemas.microsoft.com/office/drawing/2010/main" w="9525">
                   <a:solidFill>
                     <a:srgbClr val="000000"/>
                   </a:solidFill>
@@ -538,7 +538,7 @@
             </a:ln>
             <a:extLst>
               <a:ext uri="{91240B29-F687-4f45-9708-019B960494DF}">
-                <a14:hiddenLine xmlns:a14="http://schemas.microsoft.com/office/drawing/2010/main" xmlns="" w="9525">
+                <a14:hiddenLine xmlns="" xmlns:a14="http://schemas.microsoft.com/office/drawing/2010/main" w="9525">
                   <a:solidFill>
                     <a:srgbClr val="000000"/>
                   </a:solidFill>
@@ -600,7 +600,7 @@
             </a:ln>
             <a:extLst>
               <a:ext uri="{91240B29-F687-4f45-9708-019B960494DF}">
-                <a14:hiddenLine xmlns:a14="http://schemas.microsoft.com/office/drawing/2010/main" xmlns="" w="9525">
+                <a14:hiddenLine xmlns="" xmlns:a14="http://schemas.microsoft.com/office/drawing/2010/main" w="9525">
                   <a:solidFill>
                     <a:srgbClr val="000000"/>
                   </a:solidFill>
@@ -662,7 +662,7 @@
             </a:ln>
             <a:extLst>
               <a:ext uri="{91240B29-F687-4f45-9708-019B960494DF}">
-                <a14:hiddenLine xmlns:a14="http://schemas.microsoft.com/office/drawing/2010/main" xmlns="" w="9525">
+                <a14:hiddenLine xmlns="" xmlns:a14="http://schemas.microsoft.com/office/drawing/2010/main" w="9525">
                   <a:solidFill>
                     <a:srgbClr val="000000"/>
                   </a:solidFill>
@@ -752,7 +752,7 @@
             </a:ln>
             <a:extLst>
               <a:ext uri="{91240B29-F687-4f45-9708-019B960494DF}">
-                <a14:hiddenLine xmlns:a14="http://schemas.microsoft.com/office/drawing/2010/main" xmlns="" w="9525">
+                <a14:hiddenLine xmlns="" xmlns:a14="http://schemas.microsoft.com/office/drawing/2010/main" w="9525">
                   <a:solidFill>
                     <a:srgbClr val="000000"/>
                   </a:solidFill>
@@ -814,7 +814,7 @@
             </a:ln>
             <a:extLst>
               <a:ext uri="{91240B29-F687-4f45-9708-019B960494DF}">
-                <a14:hiddenLine xmlns:a14="http://schemas.microsoft.com/office/drawing/2010/main" xmlns="" w="9525">
+                <a14:hiddenLine xmlns="" xmlns:a14="http://schemas.microsoft.com/office/drawing/2010/main" w="9525">
                   <a:solidFill>
                     <a:srgbClr val="000000"/>
                   </a:solidFill>
@@ -876,7 +876,7 @@
             </a:ln>
             <a:extLst>
               <a:ext uri="{91240B29-F687-4f45-9708-019B960494DF}">
-                <a14:hiddenLine xmlns:a14="http://schemas.microsoft.com/office/drawing/2010/main" xmlns="" w="9525">
+                <a14:hiddenLine xmlns="" xmlns:a14="http://schemas.microsoft.com/office/drawing/2010/main" w="9525">
                   <a:solidFill>
                     <a:srgbClr val="000000"/>
                   </a:solidFill>
@@ -966,7 +966,7 @@
             </a:ln>
             <a:extLst>
               <a:ext uri="{91240B29-F687-4f45-9708-019B960494DF}">
-                <a14:hiddenLine xmlns:a14="http://schemas.microsoft.com/office/drawing/2010/main" xmlns="" w="9525">
+                <a14:hiddenLine xmlns="" xmlns:a14="http://schemas.microsoft.com/office/drawing/2010/main" w="9525">
                   <a:solidFill>
                     <a:srgbClr val="000000"/>
                   </a:solidFill>
@@ -1056,7 +1056,7 @@
             </a:ln>
             <a:extLst>
               <a:ext uri="{91240B29-F687-4f45-9708-019B960494DF}">
-                <a14:hiddenLine xmlns:a14="http://schemas.microsoft.com/office/drawing/2010/main" xmlns="" w="9525">
+                <a14:hiddenLine xmlns="" xmlns:a14="http://schemas.microsoft.com/office/drawing/2010/main" w="9525">
                   <a:solidFill>
                     <a:srgbClr val="000000"/>
                   </a:solidFill>
@@ -1118,7 +1118,7 @@
             </a:ln>
             <a:extLst>
               <a:ext uri="{91240B29-F687-4f45-9708-019B960494DF}">
-                <a14:hiddenLine xmlns:a14="http://schemas.microsoft.com/office/drawing/2010/main" xmlns="" w="9525">
+                <a14:hiddenLine xmlns="" xmlns:a14="http://schemas.microsoft.com/office/drawing/2010/main" w="9525">
                   <a:solidFill>
                     <a:srgbClr val="000000"/>
                   </a:solidFill>
@@ -1228,7 +1228,7 @@
             </a:ln>
             <a:extLst>
               <a:ext uri="{91240B29-F687-4f45-9708-019B960494DF}">
-                <a14:hiddenLine xmlns:a14="http://schemas.microsoft.com/office/drawing/2010/main" xmlns="" w="9525">
+                <a14:hiddenLine xmlns="" xmlns:a14="http://schemas.microsoft.com/office/drawing/2010/main" w="9525">
                   <a:solidFill>
                     <a:srgbClr val="000000"/>
                   </a:solidFill>
@@ -1290,7 +1290,7 @@
             </a:ln>
             <a:extLst>
               <a:ext uri="{91240B29-F687-4f45-9708-019B960494DF}">
-                <a14:hiddenLine xmlns:a14="http://schemas.microsoft.com/office/drawing/2010/main" xmlns="" w="9525">
+                <a14:hiddenLine xmlns="" xmlns:a14="http://schemas.microsoft.com/office/drawing/2010/main" w="9525">
                   <a:solidFill>
                     <a:srgbClr val="000000"/>
                   </a:solidFill>
@@ -1380,7 +1380,7 @@
             </a:ln>
             <a:extLst>
               <a:ext uri="{91240B29-F687-4f45-9708-019B960494DF}">
-                <a14:hiddenLine xmlns:a14="http://schemas.microsoft.com/office/drawing/2010/main" xmlns="" w="9525">
+                <a14:hiddenLine xmlns="" xmlns:a14="http://schemas.microsoft.com/office/drawing/2010/main" w="9525">
                   <a:solidFill>
                     <a:srgbClr val="000000"/>
                   </a:solidFill>
@@ -1470,7 +1470,7 @@
             </a:ln>
             <a:extLst>
               <a:ext uri="{91240B29-F687-4f45-9708-019B960494DF}">
-                <a14:hiddenLine xmlns:a14="http://schemas.microsoft.com/office/drawing/2010/main" xmlns="" w="9525">
+                <a14:hiddenLine xmlns="" xmlns:a14="http://schemas.microsoft.com/office/drawing/2010/main" w="9525">
                   <a:solidFill>
                     <a:srgbClr val="000000"/>
                   </a:solidFill>
@@ -1532,7 +1532,7 @@
             </a:ln>
             <a:extLst>
               <a:ext uri="{91240B29-F687-4f45-9708-019B960494DF}">
-                <a14:hiddenLine xmlns:a14="http://schemas.microsoft.com/office/drawing/2010/main" xmlns="" w="9525">
+                <a14:hiddenLine xmlns="" xmlns:a14="http://schemas.microsoft.com/office/drawing/2010/main" w="9525">
                   <a:solidFill>
                     <a:srgbClr val="000000"/>
                   </a:solidFill>
@@ -1622,7 +1622,7 @@
             </a:ln>
             <a:extLst>
               <a:ext uri="{91240B29-F687-4f45-9708-019B960494DF}">
-                <a14:hiddenLine xmlns:a14="http://schemas.microsoft.com/office/drawing/2010/main" xmlns="" w="9525">
+                <a14:hiddenLine xmlns="" xmlns:a14="http://schemas.microsoft.com/office/drawing/2010/main" w="9525">
                   <a:solidFill>
                     <a:srgbClr val="000000"/>
                   </a:solidFill>
@@ -1712,7 +1712,7 @@
             </a:ln>
             <a:extLst>
               <a:ext uri="{91240B29-F687-4f45-9708-019B960494DF}">
-                <a14:hiddenLine xmlns:a14="http://schemas.microsoft.com/office/drawing/2010/main" xmlns="" w="9525">
+                <a14:hiddenLine xmlns="" xmlns:a14="http://schemas.microsoft.com/office/drawing/2010/main" w="9525">
                   <a:solidFill>
                     <a:srgbClr val="000000"/>
                   </a:solidFill>
@@ -1768,7 +1768,7 @@
             </a:ln>
             <a:extLst>
               <a:ext uri="{91240B29-F687-4f45-9708-019B960494DF}">
-                <a14:hiddenLine xmlns:a14="http://schemas.microsoft.com/office/drawing/2010/main" xmlns="" w="9525">
+                <a14:hiddenLine xmlns="" xmlns:a14="http://schemas.microsoft.com/office/drawing/2010/main" w="9525">
                   <a:solidFill>
                     <a:srgbClr val="000000"/>
                   </a:solidFill>
@@ -1858,7 +1858,7 @@
             </a:ln>
             <a:extLst>
               <a:ext uri="{91240B29-F687-4f45-9708-019B960494DF}">
-                <a14:hiddenLine xmlns:a14="http://schemas.microsoft.com/office/drawing/2010/main" xmlns="" w="9525">
+                <a14:hiddenLine xmlns="" xmlns:a14="http://schemas.microsoft.com/office/drawing/2010/main" w="9525">
                   <a:solidFill>
                     <a:srgbClr val="000000"/>
                   </a:solidFill>
@@ -1914,7 +1914,7 @@
             </a:ln>
             <a:extLst>
               <a:ext uri="{91240B29-F687-4f45-9708-019B960494DF}">
-                <a14:hiddenLine xmlns:a14="http://schemas.microsoft.com/office/drawing/2010/main" xmlns="" w="9525">
+                <a14:hiddenLine xmlns="" xmlns:a14="http://schemas.microsoft.com/office/drawing/2010/main" w="9525">
                   <a:solidFill>
                     <a:srgbClr val="000000"/>
                   </a:solidFill>
@@ -2004,7 +2004,7 @@
             </a:ln>
             <a:extLst>
               <a:ext uri="{91240B29-F687-4f45-9708-019B960494DF}">
-                <a14:hiddenLine xmlns:a14="http://schemas.microsoft.com/office/drawing/2010/main" xmlns="" w="9525">
+                <a14:hiddenLine xmlns="" xmlns:a14="http://schemas.microsoft.com/office/drawing/2010/main" w="9525">
                   <a:solidFill>
                     <a:srgbClr val="000000"/>
                   </a:solidFill>
@@ -2072,7 +2072,7 @@
             </a:ln>
             <a:extLst>
               <a:ext uri="{91240B29-F687-4f45-9708-019B960494DF}">
-                <a14:hiddenLine xmlns:a14="http://schemas.microsoft.com/office/drawing/2010/main" xmlns="" w="9525">
+                <a14:hiddenLine xmlns="" xmlns:a14="http://schemas.microsoft.com/office/drawing/2010/main" w="9525">
                   <a:solidFill>
                     <a:srgbClr val="000000"/>
                   </a:solidFill>
@@ -2162,7 +2162,7 @@
             </a:ln>
             <a:extLst>
               <a:ext uri="{91240B29-F687-4f45-9708-019B960494DF}">
-                <a14:hiddenLine xmlns:a14="http://schemas.microsoft.com/office/drawing/2010/main" xmlns="" w="9525">
+                <a14:hiddenLine xmlns="" xmlns:a14="http://schemas.microsoft.com/office/drawing/2010/main" w="9525">
                   <a:solidFill>
                     <a:srgbClr val="000000"/>
                   </a:solidFill>
@@ -2230,7 +2230,7 @@
             </a:ln>
             <a:extLst>
               <a:ext uri="{91240B29-F687-4f45-9708-019B960494DF}">
-                <a14:hiddenLine xmlns:a14="http://schemas.microsoft.com/office/drawing/2010/main" xmlns="" w="9525">
+                <a14:hiddenLine xmlns="" xmlns:a14="http://schemas.microsoft.com/office/drawing/2010/main" w="9525">
                   <a:solidFill>
                     <a:srgbClr val="000000"/>
                   </a:solidFill>
@@ -2320,7 +2320,7 @@
             </a:ln>
             <a:extLst>
               <a:ext uri="{91240B29-F687-4f45-9708-019B960494DF}">
-                <a14:hiddenLine xmlns:a14="http://schemas.microsoft.com/office/drawing/2010/main" xmlns="" w="9525">
+                <a14:hiddenLine xmlns="" xmlns:a14="http://schemas.microsoft.com/office/drawing/2010/main" w="9525">
                   <a:solidFill>
                     <a:srgbClr val="000000"/>
                   </a:solidFill>
@@ -2354,7 +2354,7 @@
             </a:ln>
             <a:extLst>
               <a:ext uri="{91240B29-F687-4f45-9708-019B960494DF}">
-                <a14:hiddenLine xmlns:a14="http://schemas.microsoft.com/office/drawing/2010/main" xmlns="" w="9525">
+                <a14:hiddenLine xmlns="" xmlns:a14="http://schemas.microsoft.com/office/drawing/2010/main" w="9525">
                   <a:solidFill>
                     <a:srgbClr val="000000"/>
                   </a:solidFill>
@@ -2444,7 +2444,7 @@
             </a:ln>
             <a:extLst>
               <a:ext uri="{91240B29-F687-4f45-9708-019B960494DF}">
-                <a14:hiddenLine xmlns:a14="http://schemas.microsoft.com/office/drawing/2010/main" xmlns="" w="9525">
+                <a14:hiddenLine xmlns="" xmlns:a14="http://schemas.microsoft.com/office/drawing/2010/main" w="9525">
                   <a:solidFill>
                     <a:srgbClr val="000000"/>
                   </a:solidFill>
@@ -2506,7 +2506,7 @@
             </a:ln>
             <a:extLst>
               <a:ext uri="{91240B29-F687-4f45-9708-019B960494DF}">
-                <a14:hiddenLine xmlns:a14="http://schemas.microsoft.com/office/drawing/2010/main" xmlns="" w="9525">
+                <a14:hiddenLine xmlns="" xmlns:a14="http://schemas.microsoft.com/office/drawing/2010/main" w="9525">
                   <a:solidFill>
                     <a:srgbClr val="000000"/>
                   </a:solidFill>
@@ -2568,7 +2568,7 @@
             </a:ln>
             <a:extLst>
               <a:ext uri="{91240B29-F687-4f45-9708-019B960494DF}">
-                <a14:hiddenLine xmlns:a14="http://schemas.microsoft.com/office/drawing/2010/main" xmlns="" w="9525">
+                <a14:hiddenLine xmlns="" xmlns:a14="http://schemas.microsoft.com/office/drawing/2010/main" w="9525">
                   <a:solidFill>
                     <a:srgbClr val="000000"/>
                   </a:solidFill>
@@ -2658,7 +2658,7 @@
             </a:ln>
             <a:extLst>
               <a:ext uri="{91240B29-F687-4f45-9708-019B960494DF}">
-                <a14:hiddenLine xmlns:a14="http://schemas.microsoft.com/office/drawing/2010/main" xmlns="" w="9525">
+                <a14:hiddenLine xmlns="" xmlns:a14="http://schemas.microsoft.com/office/drawing/2010/main" w="9525">
                   <a:solidFill>
                     <a:srgbClr val="000000"/>
                   </a:solidFill>
@@ -2726,7 +2726,7 @@
             </a:ln>
             <a:extLst>
               <a:ext uri="{91240B29-F687-4f45-9708-019B960494DF}">
-                <a14:hiddenLine xmlns:a14="http://schemas.microsoft.com/office/drawing/2010/main" xmlns="" w="9525">
+                <a14:hiddenLine xmlns="" xmlns:a14="http://schemas.microsoft.com/office/drawing/2010/main" w="9525">
                   <a:solidFill>
                     <a:srgbClr val="000000"/>
                   </a:solidFill>
@@ -2788,7 +2788,7 @@
             </a:ln>
             <a:extLst>
               <a:ext uri="{91240B29-F687-4f45-9708-019B960494DF}">
-                <a14:hiddenLine xmlns:a14="http://schemas.microsoft.com/office/drawing/2010/main" xmlns="" w="9525">
+                <a14:hiddenLine xmlns="" xmlns:a14="http://schemas.microsoft.com/office/drawing/2010/main" w="9525">
                   <a:solidFill>
                     <a:srgbClr val="000000"/>
                   </a:solidFill>
@@ -2878,7 +2878,7 @@
             </a:ln>
             <a:extLst>
               <a:ext uri="{91240B29-F687-4f45-9708-019B960494DF}">
-                <a14:hiddenLine xmlns:a14="http://schemas.microsoft.com/office/drawing/2010/main" xmlns="" w="9525">
+                <a14:hiddenLine xmlns="" xmlns:a14="http://schemas.microsoft.com/office/drawing/2010/main" w="9525">
                   <a:solidFill>
                     <a:srgbClr val="000000"/>
                   </a:solidFill>
@@ -2940,7 +2940,7 @@
             </a:ln>
             <a:extLst>
               <a:ext uri="{91240B29-F687-4f45-9708-019B960494DF}">
-                <a14:hiddenLine xmlns:a14="http://schemas.microsoft.com/office/drawing/2010/main" xmlns="" w="9525">
+                <a14:hiddenLine xmlns="" xmlns:a14="http://schemas.microsoft.com/office/drawing/2010/main" w="9525">
                   <a:solidFill>
                     <a:srgbClr val="000000"/>
                   </a:solidFill>
@@ -3030,7 +3030,7 @@
             </a:ln>
             <a:extLst>
               <a:ext uri="{91240B29-F687-4f45-9708-019B960494DF}">
-                <a14:hiddenLine xmlns:a14="http://schemas.microsoft.com/office/drawing/2010/main" xmlns="" w="9525">
+                <a14:hiddenLine xmlns="" xmlns:a14="http://schemas.microsoft.com/office/drawing/2010/main" w="9525">
                   <a:solidFill>
                     <a:srgbClr val="000000"/>
                   </a:solidFill>
@@ -3092,7 +3092,7 @@
             </a:ln>
             <a:extLst>
               <a:ext uri="{91240B29-F687-4f45-9708-019B960494DF}">
-                <a14:hiddenLine xmlns:a14="http://schemas.microsoft.com/office/drawing/2010/main" xmlns="" w="9525">
+                <a14:hiddenLine xmlns="" xmlns:a14="http://schemas.microsoft.com/office/drawing/2010/main" w="9525">
                   <a:solidFill>
                     <a:srgbClr val="000000"/>
                   </a:solidFill>
@@ -3182,7 +3182,7 @@
             </a:ln>
             <a:extLst>
               <a:ext uri="{91240B29-F687-4f45-9708-019B960494DF}">
-                <a14:hiddenLine xmlns:a14="http://schemas.microsoft.com/office/drawing/2010/main" xmlns="" w="9525">
+                <a14:hiddenLine xmlns="" xmlns:a14="http://schemas.microsoft.com/office/drawing/2010/main" w="9525">
                   <a:solidFill>
                     <a:srgbClr val="000000"/>
                   </a:solidFill>
@@ -3216,7 +3216,7 @@
             </a:ln>
             <a:extLst>
               <a:ext uri="{91240B29-F687-4f45-9708-019B960494DF}">
-                <a14:hiddenLine xmlns:a14="http://schemas.microsoft.com/office/drawing/2010/main" xmlns="" w="9525">
+                <a14:hiddenLine xmlns="" xmlns:a14="http://schemas.microsoft.com/office/drawing/2010/main" w="9525">
                   <a:solidFill>
                     <a:srgbClr val="000000"/>
                   </a:solidFill>
@@ -3281,7 +3281,7 @@
             </a:ln>
             <a:extLst>
               <a:ext uri="{91240B29-F687-4f45-9708-019B960494DF}">
-                <a14:hiddenLine xmlns:a14="http://schemas.microsoft.com/office/drawing/2010/main" xmlns="" w="9525">
+                <a14:hiddenLine xmlns="" xmlns:a14="http://schemas.microsoft.com/office/drawing/2010/main" w="9525">
                   <a:solidFill>
                     <a:srgbClr val="000000"/>
                   </a:solidFill>
@@ -3371,7 +3371,7 @@
             </a:ln>
             <a:extLst>
               <a:ext uri="{91240B29-F687-4f45-9708-019B960494DF}">
-                <a14:hiddenLine xmlns:a14="http://schemas.microsoft.com/office/drawing/2010/main" xmlns="" w="9525">
+                <a14:hiddenLine xmlns="" xmlns:a14="http://schemas.microsoft.com/office/drawing/2010/main" w="9525">
                   <a:solidFill>
                     <a:srgbClr val="000000"/>
                   </a:solidFill>
@@ -3433,7 +3433,7 @@
             </a:ln>
             <a:extLst>
               <a:ext uri="{91240B29-F687-4f45-9708-019B960494DF}">
-                <a14:hiddenLine xmlns:a14="http://schemas.microsoft.com/office/drawing/2010/main" xmlns="" w="9525">
+                <a14:hiddenLine xmlns="" xmlns:a14="http://schemas.microsoft.com/office/drawing/2010/main" w="9525">
                   <a:solidFill>
                     <a:srgbClr val="000000"/>
                   </a:solidFill>
@@ -3523,7 +3523,7 @@
             </a:ln>
             <a:extLst>
               <a:ext uri="{91240B29-F687-4f45-9708-019B960494DF}">
-                <a14:hiddenLine xmlns:a14="http://schemas.microsoft.com/office/drawing/2010/main" xmlns="" w="9525">
+                <a14:hiddenLine xmlns="" xmlns:a14="http://schemas.microsoft.com/office/drawing/2010/main" w="9525">
                   <a:solidFill>
                     <a:srgbClr val="000000"/>
                   </a:solidFill>
@@ -3613,7 +3613,7 @@
             </a:ln>
             <a:extLst>
               <a:ext uri="{91240B29-F687-4f45-9708-019B960494DF}">
-                <a14:hiddenLine xmlns:a14="http://schemas.microsoft.com/office/drawing/2010/main" xmlns="" w="9525">
+                <a14:hiddenLine xmlns="" xmlns:a14="http://schemas.microsoft.com/office/drawing/2010/main" w="9525">
                   <a:solidFill>
                     <a:srgbClr val="000000"/>
                   </a:solidFill>
@@ -3678,7 +3678,7 @@
             </a:ln>
             <a:extLst>
               <a:ext uri="{91240B29-F687-4f45-9708-019B960494DF}">
-                <a14:hiddenLine xmlns:a14="http://schemas.microsoft.com/office/drawing/2010/main" xmlns="" w="9525">
+                <a14:hiddenLine xmlns="" xmlns:a14="http://schemas.microsoft.com/office/drawing/2010/main" w="9525">
                   <a:solidFill>
                     <a:srgbClr val="000000"/>
                   </a:solidFill>
@@ -3740,7 +3740,7 @@
             </a:ln>
             <a:extLst>
               <a:ext uri="{91240B29-F687-4f45-9708-019B960494DF}">
-                <a14:hiddenLine xmlns:a14="http://schemas.microsoft.com/office/drawing/2010/main" xmlns="" w="9525">
+                <a14:hiddenLine xmlns="" xmlns:a14="http://schemas.microsoft.com/office/drawing/2010/main" w="9525">
                   <a:solidFill>
                     <a:srgbClr val="000000"/>
                   </a:solidFill>
@@ -3830,7 +3830,7 @@
             </a:ln>
             <a:extLst>
               <a:ext uri="{91240B29-F687-4f45-9708-019B960494DF}">
-                <a14:hiddenLine xmlns:a14="http://schemas.microsoft.com/office/drawing/2010/main" xmlns="" w="9525">
+                <a14:hiddenLine xmlns="" xmlns:a14="http://schemas.microsoft.com/office/drawing/2010/main" w="9525">
                   <a:solidFill>
                     <a:srgbClr val="000000"/>
                   </a:solidFill>
@@ -3920,7 +3920,7 @@
             </a:ln>
             <a:extLst>
               <a:ext uri="{91240B29-F687-4f45-9708-019B960494DF}">
-                <a14:hiddenLine xmlns:a14="http://schemas.microsoft.com/office/drawing/2010/main" xmlns="" w="9525">
+                <a14:hiddenLine xmlns="" xmlns:a14="http://schemas.microsoft.com/office/drawing/2010/main" w="9525">
                   <a:solidFill>
                     <a:srgbClr val="000000"/>
                   </a:solidFill>
@@ -3982,7 +3982,7 @@
             </a:ln>
             <a:extLst>
               <a:ext uri="{91240B29-F687-4f45-9708-019B960494DF}">
-                <a14:hiddenLine xmlns:a14="http://schemas.microsoft.com/office/drawing/2010/main" xmlns="" w="9525">
+                <a14:hiddenLine xmlns="" xmlns:a14="http://schemas.microsoft.com/office/drawing/2010/main" w="9525">
                   <a:solidFill>
                     <a:srgbClr val="000000"/>
                   </a:solidFill>
@@ -4102,7 +4102,7 @@
             </a:ln>
             <a:extLst>
               <a:ext uri="{91240B29-F687-4f45-9708-019B960494DF}">
-                <a14:hiddenLine xmlns:a14="http://schemas.microsoft.com/office/drawing/2010/main" xmlns="" w="9525">
+                <a14:hiddenLine xmlns="" xmlns:a14="http://schemas.microsoft.com/office/drawing/2010/main" w="9525">
                   <a:solidFill>
                     <a:srgbClr val="000000"/>
                   </a:solidFill>
@@ -4170,7 +4170,7 @@
             </a:ln>
             <a:extLst>
               <a:ext uri="{91240B29-F687-4f45-9708-019B960494DF}">
-                <a14:hiddenLine xmlns:a14="http://schemas.microsoft.com/office/drawing/2010/main" xmlns="" w="9525">
+                <a14:hiddenLine xmlns="" xmlns:a14="http://schemas.microsoft.com/office/drawing/2010/main" w="9525">
                   <a:solidFill>
                     <a:srgbClr val="000000"/>
                   </a:solidFill>
@@ -4260,7 +4260,7 @@
             </a:ln>
             <a:extLst>
               <a:ext uri="{91240B29-F687-4f45-9708-019B960494DF}">
-                <a14:hiddenLine xmlns:a14="http://schemas.microsoft.com/office/drawing/2010/main" xmlns="" w="9525">
+                <a14:hiddenLine xmlns="" xmlns:a14="http://schemas.microsoft.com/office/drawing/2010/main" w="9525">
                   <a:solidFill>
                     <a:srgbClr val="000000"/>
                   </a:solidFill>
@@ -4400,7 +4400,7 @@
           <a:p>
             <a:fld id="{3E882830-55CE-4407-A60C-FC34E7069EED}" type="datetimeFigureOut">
               <a:rPr lang="en-US" smtClean="0"/>
-              <a:t>4/15/2019</a:t>
+              <a:t>4/20/2019</a:t>
             </a:fld>
             <a:endParaRPr lang="en-US"/>
           </a:p>
@@ -4667,7 +4667,7 @@
           <a:p>
             <a:fld id="{3E882830-55CE-4407-A60C-FC34E7069EED}" type="datetimeFigureOut">
               <a:rPr lang="en-US" smtClean="0"/>
-              <a:t>4/15/2019</a:t>
+              <a:t>4/20/2019</a:t>
             </a:fld>
             <a:endParaRPr lang="en-US"/>
           </a:p>
@@ -4863,7 +4863,7 @@
           <a:p>
             <a:fld id="{3E882830-55CE-4407-A60C-FC34E7069EED}" type="datetimeFigureOut">
               <a:rPr lang="en-US" smtClean="0"/>
-              <a:t>4/15/2019</a:t>
+              <a:t>4/20/2019</a:t>
             </a:fld>
             <a:endParaRPr lang="en-US"/>
           </a:p>
@@ -5126,7 +5126,7 @@
           <a:p>
             <a:fld id="{3E882830-55CE-4407-A60C-FC34E7069EED}" type="datetimeFigureOut">
               <a:rPr lang="en-US" smtClean="0"/>
-              <a:t>4/15/2019</a:t>
+              <a:t>4/20/2019</a:t>
             </a:fld>
             <a:endParaRPr lang="en-US"/>
           </a:p>
@@ -5560,7 +5560,7 @@
           <a:p>
             <a:fld id="{3E882830-55CE-4407-A60C-FC34E7069EED}" type="datetimeFigureOut">
               <a:rPr lang="en-US" smtClean="0"/>
-              <a:t>4/15/2019</a:t>
+              <a:t>4/20/2019</a:t>
             </a:fld>
             <a:endParaRPr lang="en-US"/>
           </a:p>
@@ -6106,7 +6106,7 @@
           <a:p>
             <a:fld id="{3E882830-55CE-4407-A60C-FC34E7069EED}" type="datetimeFigureOut">
               <a:rPr lang="en-US" smtClean="0"/>
-              <a:t>4/15/2019</a:t>
+              <a:t>4/20/2019</a:t>
             </a:fld>
             <a:endParaRPr lang="en-US"/>
           </a:p>
@@ -6826,7 +6826,7 @@
           <a:p>
             <a:fld id="{3E882830-55CE-4407-A60C-FC34E7069EED}" type="datetimeFigureOut">
               <a:rPr lang="en-US" smtClean="0"/>
-              <a:t>4/15/2019</a:t>
+              <a:t>4/20/2019</a:t>
             </a:fld>
             <a:endParaRPr lang="en-US"/>
           </a:p>
@@ -6996,7 +6996,7 @@
           <a:p>
             <a:fld id="{3E882830-55CE-4407-A60C-FC34E7069EED}" type="datetimeFigureOut">
               <a:rPr lang="en-US" smtClean="0"/>
-              <a:t>4/15/2019</a:t>
+              <a:t>4/20/2019</a:t>
             </a:fld>
             <a:endParaRPr lang="en-US"/>
           </a:p>
@@ -7176,7 +7176,7 @@
           <a:p>
             <a:fld id="{3E882830-55CE-4407-A60C-FC34E7069EED}" type="datetimeFigureOut">
               <a:rPr lang="en-US" smtClean="0"/>
-              <a:t>4/15/2019</a:t>
+              <a:t>4/20/2019</a:t>
             </a:fld>
             <a:endParaRPr lang="en-US"/>
           </a:p>
@@ -7346,7 +7346,7 @@
           <a:p>
             <a:fld id="{3E882830-55CE-4407-A60C-FC34E7069EED}" type="datetimeFigureOut">
               <a:rPr lang="en-US" smtClean="0"/>
-              <a:t>4/15/2019</a:t>
+              <a:t>4/20/2019</a:t>
             </a:fld>
             <a:endParaRPr lang="en-US"/>
           </a:p>
@@ -7596,7 +7596,7 @@
           <a:p>
             <a:fld id="{3E882830-55CE-4407-A60C-FC34E7069EED}" type="datetimeFigureOut">
               <a:rPr lang="en-US" smtClean="0"/>
-              <a:t>4/15/2019</a:t>
+              <a:t>4/20/2019</a:t>
             </a:fld>
             <a:endParaRPr lang="en-US"/>
           </a:p>
@@ -7828,7 +7828,7 @@
           <a:p>
             <a:fld id="{3E882830-55CE-4407-A60C-FC34E7069EED}" type="datetimeFigureOut">
               <a:rPr lang="en-US" smtClean="0"/>
-              <a:t>4/15/2019</a:t>
+              <a:t>4/20/2019</a:t>
             </a:fld>
             <a:endParaRPr lang="en-US"/>
           </a:p>
@@ -8209,7 +8209,7 @@
           <a:p>
             <a:fld id="{3E882830-55CE-4407-A60C-FC34E7069EED}" type="datetimeFigureOut">
               <a:rPr lang="en-US" smtClean="0"/>
-              <a:t>4/15/2019</a:t>
+              <a:t>4/20/2019</a:t>
             </a:fld>
             <a:endParaRPr lang="en-US"/>
           </a:p>
@@ -8327,7 +8327,7 @@
           <a:p>
             <a:fld id="{3E882830-55CE-4407-A60C-FC34E7069EED}" type="datetimeFigureOut">
               <a:rPr lang="en-US" smtClean="0"/>
-              <a:t>4/15/2019</a:t>
+              <a:t>4/20/2019</a:t>
             </a:fld>
             <a:endParaRPr lang="en-US"/>
           </a:p>
@@ -8422,7 +8422,7 @@
           <a:p>
             <a:fld id="{3E882830-55CE-4407-A60C-FC34E7069EED}" type="datetimeFigureOut">
               <a:rPr lang="en-US" smtClean="0"/>
-              <a:t>4/15/2019</a:t>
+              <a:t>4/20/2019</a:t>
             </a:fld>
             <a:endParaRPr lang="en-US"/>
           </a:p>
@@ -8671,7 +8671,7 @@
           <a:p>
             <a:fld id="{3E882830-55CE-4407-A60C-FC34E7069EED}" type="datetimeFigureOut">
               <a:rPr lang="en-US" smtClean="0"/>
-              <a:t>4/15/2019</a:t>
+              <a:t>4/20/2019</a:t>
             </a:fld>
             <a:endParaRPr lang="en-US"/>
           </a:p>
@@ -8951,7 +8951,7 @@
           <a:p>
             <a:fld id="{3E882830-55CE-4407-A60C-FC34E7069EED}" type="datetimeFigureOut">
               <a:rPr lang="en-US" smtClean="0"/>
-              <a:t>4/15/2019</a:t>
+              <a:t>4/20/2019</a:t>
             </a:fld>
             <a:endParaRPr lang="en-US"/>
           </a:p>
@@ -9067,7 +9067,7 @@
           <a:noFill/>
           <a:extLst>
             <a:ext uri="{909E8E84-426E-40dd-AFC4-6F175D3DCCD1}">
-              <a14:hiddenFill xmlns:a14="http://schemas.microsoft.com/office/drawing/2010/main" xmlns="">
+              <a14:hiddenFill xmlns="" xmlns:a14="http://schemas.microsoft.com/office/drawing/2010/main">
                 <a:solidFill>
                   <a:srgbClr val="FFFFFF"/>
                 </a:solidFill>
@@ -9141,7 +9141,7 @@
               </a:ln>
               <a:extLst>
                 <a:ext uri="{91240B29-F687-4f45-9708-019B960494DF}">
-                  <a14:hiddenLine xmlns:a14="http://schemas.microsoft.com/office/drawing/2010/main" xmlns="" w="9525">
+                  <a14:hiddenLine xmlns="" xmlns:a14="http://schemas.microsoft.com/office/drawing/2010/main" w="9525">
                     <a:solidFill>
                       <a:srgbClr val="000000"/>
                     </a:solidFill>
@@ -9231,7 +9231,7 @@
               </a:ln>
               <a:extLst>
                 <a:ext uri="{91240B29-F687-4f45-9708-019B960494DF}">
-                  <a14:hiddenLine xmlns:a14="http://schemas.microsoft.com/office/drawing/2010/main" xmlns="" w="9525">
+                  <a14:hiddenLine xmlns="" xmlns:a14="http://schemas.microsoft.com/office/drawing/2010/main" w="9525">
                     <a:solidFill>
                       <a:srgbClr val="000000"/>
                     </a:solidFill>
@@ -9321,7 +9321,7 @@
               </a:ln>
               <a:extLst>
                 <a:ext uri="{91240B29-F687-4f45-9708-019B960494DF}">
-                  <a14:hiddenLine xmlns:a14="http://schemas.microsoft.com/office/drawing/2010/main" xmlns="" w="9525">
+                  <a14:hiddenLine xmlns="" xmlns:a14="http://schemas.microsoft.com/office/drawing/2010/main" w="9525">
                     <a:solidFill>
                       <a:srgbClr val="000000"/>
                     </a:solidFill>
@@ -9383,7 +9383,7 @@
               </a:ln>
               <a:extLst>
                 <a:ext uri="{91240B29-F687-4f45-9708-019B960494DF}">
-                  <a14:hiddenLine xmlns:a14="http://schemas.microsoft.com/office/drawing/2010/main" xmlns="" w="9525">
+                  <a14:hiddenLine xmlns="" xmlns:a14="http://schemas.microsoft.com/office/drawing/2010/main" w="9525">
                     <a:solidFill>
                       <a:srgbClr val="000000"/>
                     </a:solidFill>
@@ -9473,7 +9473,7 @@
               </a:ln>
               <a:extLst>
                 <a:ext uri="{91240B29-F687-4f45-9708-019B960494DF}">
-                  <a14:hiddenLine xmlns:a14="http://schemas.microsoft.com/office/drawing/2010/main" xmlns="" w="9525">
+                  <a14:hiddenLine xmlns="" xmlns:a14="http://schemas.microsoft.com/office/drawing/2010/main" w="9525">
                     <a:solidFill>
                       <a:srgbClr val="000000"/>
                     </a:solidFill>
@@ -9535,7 +9535,7 @@
               </a:ln>
               <a:extLst>
                 <a:ext uri="{91240B29-F687-4f45-9708-019B960494DF}">
-                  <a14:hiddenLine xmlns:a14="http://schemas.microsoft.com/office/drawing/2010/main" xmlns="" w="9525">
+                  <a14:hiddenLine xmlns="" xmlns:a14="http://schemas.microsoft.com/office/drawing/2010/main" w="9525">
                     <a:solidFill>
                       <a:srgbClr val="000000"/>
                     </a:solidFill>
@@ -9597,7 +9597,7 @@
               </a:ln>
               <a:extLst>
                 <a:ext uri="{91240B29-F687-4f45-9708-019B960494DF}">
-                  <a14:hiddenLine xmlns:a14="http://schemas.microsoft.com/office/drawing/2010/main" xmlns="" w="9525">
+                  <a14:hiddenLine xmlns="" xmlns:a14="http://schemas.microsoft.com/office/drawing/2010/main" w="9525">
                     <a:solidFill>
                       <a:srgbClr val="000000"/>
                     </a:solidFill>
@@ -9687,7 +9687,7 @@
               </a:ln>
               <a:extLst>
                 <a:ext uri="{91240B29-F687-4f45-9708-019B960494DF}">
-                  <a14:hiddenLine xmlns:a14="http://schemas.microsoft.com/office/drawing/2010/main" xmlns="" w="9525">
+                  <a14:hiddenLine xmlns="" xmlns:a14="http://schemas.microsoft.com/office/drawing/2010/main" w="9525">
                     <a:solidFill>
                       <a:srgbClr val="000000"/>
                     </a:solidFill>
@@ -9777,7 +9777,7 @@
               </a:ln>
               <a:extLst>
                 <a:ext uri="{91240B29-F687-4f45-9708-019B960494DF}">
-                  <a14:hiddenLine xmlns:a14="http://schemas.microsoft.com/office/drawing/2010/main" xmlns="" w="9525">
+                  <a14:hiddenLine xmlns="" xmlns:a14="http://schemas.microsoft.com/office/drawing/2010/main" w="9525">
                     <a:solidFill>
                       <a:srgbClr val="000000"/>
                     </a:solidFill>
@@ -9839,7 +9839,7 @@
               </a:ln>
               <a:extLst>
                 <a:ext uri="{91240B29-F687-4f45-9708-019B960494DF}">
-                  <a14:hiddenLine xmlns:a14="http://schemas.microsoft.com/office/drawing/2010/main" xmlns="" w="9525">
+                  <a14:hiddenLine xmlns="" xmlns:a14="http://schemas.microsoft.com/office/drawing/2010/main" w="9525">
                     <a:solidFill>
                       <a:srgbClr val="000000"/>
                     </a:solidFill>
@@ -9949,7 +9949,7 @@
               </a:ln>
               <a:extLst>
                 <a:ext uri="{91240B29-F687-4f45-9708-019B960494DF}">
-                  <a14:hiddenLine xmlns:a14="http://schemas.microsoft.com/office/drawing/2010/main" xmlns="" w="9525">
+                  <a14:hiddenLine xmlns="" xmlns:a14="http://schemas.microsoft.com/office/drawing/2010/main" w="9525">
                     <a:solidFill>
                       <a:srgbClr val="000000"/>
                     </a:solidFill>
@@ -10033,7 +10033,7 @@
               </a:ln>
               <a:extLst>
                 <a:ext uri="{91240B29-F687-4f45-9708-019B960494DF}">
-                  <a14:hiddenLine xmlns:a14="http://schemas.microsoft.com/office/drawing/2010/main" xmlns="" w="9525">
+                  <a14:hiddenLine xmlns="" xmlns:a14="http://schemas.microsoft.com/office/drawing/2010/main" w="9525">
                     <a:solidFill>
                       <a:srgbClr val="000000"/>
                     </a:solidFill>
@@ -10095,7 +10095,7 @@
               </a:ln>
               <a:extLst>
                 <a:ext uri="{91240B29-F687-4f45-9708-019B960494DF}">
-                  <a14:hiddenLine xmlns:a14="http://schemas.microsoft.com/office/drawing/2010/main" xmlns="" w="9525">
+                  <a14:hiddenLine xmlns="" xmlns:a14="http://schemas.microsoft.com/office/drawing/2010/main" w="9525">
                     <a:solidFill>
                       <a:srgbClr val="000000"/>
                     </a:solidFill>
@@ -10157,7 +10157,7 @@
               </a:ln>
               <a:extLst>
                 <a:ext uri="{91240B29-F687-4f45-9708-019B960494DF}">
-                  <a14:hiddenLine xmlns:a14="http://schemas.microsoft.com/office/drawing/2010/main" xmlns="" w="9525">
+                  <a14:hiddenLine xmlns="" xmlns:a14="http://schemas.microsoft.com/office/drawing/2010/main" w="9525">
                     <a:solidFill>
                       <a:srgbClr val="000000"/>
                     </a:solidFill>
@@ -10247,7 +10247,7 @@
               </a:ln>
               <a:extLst>
                 <a:ext uri="{91240B29-F687-4f45-9708-019B960494DF}">
-                  <a14:hiddenLine xmlns:a14="http://schemas.microsoft.com/office/drawing/2010/main" xmlns="" w="9525">
+                  <a14:hiddenLine xmlns="" xmlns:a14="http://schemas.microsoft.com/office/drawing/2010/main" w="9525">
                     <a:solidFill>
                       <a:srgbClr val="000000"/>
                     </a:solidFill>
@@ -10281,7 +10281,7 @@
               </a:ln>
               <a:extLst>
                 <a:ext uri="{91240B29-F687-4f45-9708-019B960494DF}">
-                  <a14:hiddenLine xmlns:a14="http://schemas.microsoft.com/office/drawing/2010/main" xmlns="" w="9525">
+                  <a14:hiddenLine xmlns="" xmlns:a14="http://schemas.microsoft.com/office/drawing/2010/main" w="9525">
                     <a:solidFill>
                       <a:srgbClr val="000000"/>
                     </a:solidFill>
@@ -10346,7 +10346,7 @@
               </a:ln>
               <a:extLst>
                 <a:ext uri="{91240B29-F687-4f45-9708-019B960494DF}">
-                  <a14:hiddenLine xmlns:a14="http://schemas.microsoft.com/office/drawing/2010/main" xmlns="" w="9525">
+                  <a14:hiddenLine xmlns="" xmlns:a14="http://schemas.microsoft.com/office/drawing/2010/main" w="9525">
                     <a:solidFill>
                       <a:srgbClr val="000000"/>
                     </a:solidFill>
@@ -10436,7 +10436,7 @@
               </a:ln>
               <a:extLst>
                 <a:ext uri="{91240B29-F687-4f45-9708-019B960494DF}">
-                  <a14:hiddenLine xmlns:a14="http://schemas.microsoft.com/office/drawing/2010/main" xmlns="" w="9525">
+                  <a14:hiddenLine xmlns="" xmlns:a14="http://schemas.microsoft.com/office/drawing/2010/main" w="9525">
                     <a:solidFill>
                       <a:srgbClr val="000000"/>
                     </a:solidFill>
@@ -10498,7 +10498,7 @@
               </a:ln>
               <a:extLst>
                 <a:ext uri="{91240B29-F687-4f45-9708-019B960494DF}">
-                  <a14:hiddenLine xmlns:a14="http://schemas.microsoft.com/office/drawing/2010/main" xmlns="" w="9525">
+                  <a14:hiddenLine xmlns="" xmlns:a14="http://schemas.microsoft.com/office/drawing/2010/main" w="9525">
                     <a:solidFill>
                       <a:srgbClr val="000000"/>
                     </a:solidFill>
@@ -10588,7 +10588,7 @@
               </a:ln>
               <a:extLst>
                 <a:ext uri="{91240B29-F687-4f45-9708-019B960494DF}">
-                  <a14:hiddenLine xmlns:a14="http://schemas.microsoft.com/office/drawing/2010/main" xmlns="" w="9525">
+                  <a14:hiddenLine xmlns="" xmlns:a14="http://schemas.microsoft.com/office/drawing/2010/main" w="9525">
                     <a:solidFill>
                       <a:srgbClr val="000000"/>
                     </a:solidFill>
@@ -10653,7 +10653,7 @@
               </a:ln>
               <a:extLst>
                 <a:ext uri="{91240B29-F687-4f45-9708-019B960494DF}">
-                  <a14:hiddenLine xmlns:a14="http://schemas.microsoft.com/office/drawing/2010/main" xmlns="" w="9525">
+                  <a14:hiddenLine xmlns="" xmlns:a14="http://schemas.microsoft.com/office/drawing/2010/main" w="9525">
                     <a:solidFill>
                       <a:srgbClr val="000000"/>
                     </a:solidFill>
@@ -10715,7 +10715,7 @@
               </a:ln>
               <a:extLst>
                 <a:ext uri="{91240B29-F687-4f45-9708-019B960494DF}">
-                  <a14:hiddenLine xmlns:a14="http://schemas.microsoft.com/office/drawing/2010/main" xmlns="" w="9525">
+                  <a14:hiddenLine xmlns="" xmlns:a14="http://schemas.microsoft.com/office/drawing/2010/main" w="9525">
                     <a:solidFill>
                       <a:srgbClr val="000000"/>
                     </a:solidFill>
@@ -10805,7 +10805,7 @@
               </a:ln>
               <a:extLst>
                 <a:ext uri="{91240B29-F687-4f45-9708-019B960494DF}">
-                  <a14:hiddenLine xmlns:a14="http://schemas.microsoft.com/office/drawing/2010/main" xmlns="" w="9525">
+                  <a14:hiddenLine xmlns="" xmlns:a14="http://schemas.microsoft.com/office/drawing/2010/main" w="9525">
                     <a:solidFill>
                       <a:srgbClr val="000000"/>
                     </a:solidFill>
@@ -10895,7 +10895,7 @@
               </a:ln>
               <a:extLst>
                 <a:ext uri="{91240B29-F687-4f45-9708-019B960494DF}">
-                  <a14:hiddenLine xmlns:a14="http://schemas.microsoft.com/office/drawing/2010/main" xmlns="" w="9525">
+                  <a14:hiddenLine xmlns="" xmlns:a14="http://schemas.microsoft.com/office/drawing/2010/main" w="9525">
                     <a:solidFill>
                       <a:srgbClr val="000000"/>
                     </a:solidFill>
@@ -10960,7 +10960,7 @@
               </a:ln>
               <a:extLst>
                 <a:ext uri="{91240B29-F687-4f45-9708-019B960494DF}">
-                  <a14:hiddenLine xmlns:a14="http://schemas.microsoft.com/office/drawing/2010/main" xmlns="" w="9525">
+                  <a14:hiddenLine xmlns="" xmlns:a14="http://schemas.microsoft.com/office/drawing/2010/main" w="9525">
                     <a:solidFill>
                       <a:srgbClr val="000000"/>
                     </a:solidFill>
@@ -11080,7 +11080,7 @@
               </a:ln>
               <a:extLst>
                 <a:ext uri="{91240B29-F687-4f45-9708-019B960494DF}">
-                  <a14:hiddenLine xmlns:a14="http://schemas.microsoft.com/office/drawing/2010/main" xmlns="" w="9525">
+                  <a14:hiddenLine xmlns="" xmlns:a14="http://schemas.microsoft.com/office/drawing/2010/main" w="9525">
                     <a:solidFill>
                       <a:srgbClr val="000000"/>
                     </a:solidFill>
@@ -11178,7 +11178,7 @@
               </a:ln>
               <a:extLst>
                 <a:ext uri="{91240B29-F687-4f45-9708-019B960494DF}">
-                  <a14:hiddenLine xmlns:a14="http://schemas.microsoft.com/office/drawing/2010/main" xmlns="" w="9525">
+                  <a14:hiddenLine xmlns="" xmlns:a14="http://schemas.microsoft.com/office/drawing/2010/main" w="9525">
                     <a:solidFill>
                       <a:srgbClr val="000000"/>
                     </a:solidFill>
@@ -11293,7 +11293,7 @@
               </a:ln>
               <a:extLst>
                 <a:ext uri="{91240B29-F687-4f45-9708-019B960494DF}">
-                  <a14:hiddenLine xmlns:a14="http://schemas.microsoft.com/office/drawing/2010/main" xmlns="" w="9525">
+                  <a14:hiddenLine xmlns="" xmlns:a14="http://schemas.microsoft.com/office/drawing/2010/main" w="9525">
                     <a:solidFill>
                       <a:srgbClr val="000000"/>
                     </a:solidFill>
@@ -11383,7 +11383,7 @@
               </a:ln>
               <a:extLst>
                 <a:ext uri="{91240B29-F687-4f45-9708-019B960494DF}">
-                  <a14:hiddenLine xmlns:a14="http://schemas.microsoft.com/office/drawing/2010/main" xmlns="" w="9525">
+                  <a14:hiddenLine xmlns="" xmlns:a14="http://schemas.microsoft.com/office/drawing/2010/main" w="9525">
                     <a:solidFill>
                       <a:srgbClr val="000000"/>
                     </a:solidFill>
@@ -11448,7 +11448,7 @@
               </a:ln>
               <a:extLst>
                 <a:ext uri="{91240B29-F687-4f45-9708-019B960494DF}">
-                  <a14:hiddenLine xmlns:a14="http://schemas.microsoft.com/office/drawing/2010/main" xmlns="" w="9525">
+                  <a14:hiddenLine xmlns="" xmlns:a14="http://schemas.microsoft.com/office/drawing/2010/main" w="9525">
                     <a:solidFill>
                       <a:srgbClr val="000000"/>
                     </a:solidFill>
@@ -11538,7 +11538,7 @@
               </a:ln>
               <a:extLst>
                 <a:ext uri="{91240B29-F687-4f45-9708-019B960494DF}">
-                  <a14:hiddenLine xmlns:a14="http://schemas.microsoft.com/office/drawing/2010/main" xmlns="" w="9525">
+                  <a14:hiddenLine xmlns="" xmlns:a14="http://schemas.microsoft.com/office/drawing/2010/main" w="9525">
                     <a:solidFill>
                       <a:srgbClr val="000000"/>
                     </a:solidFill>
@@ -11606,7 +11606,7 @@
               </a:ln>
               <a:extLst>
                 <a:ext uri="{91240B29-F687-4f45-9708-019B960494DF}">
-                  <a14:hiddenLine xmlns:a14="http://schemas.microsoft.com/office/drawing/2010/main" xmlns="" w="9525">
+                  <a14:hiddenLine xmlns="" xmlns:a14="http://schemas.microsoft.com/office/drawing/2010/main" w="9525">
                     <a:solidFill>
                       <a:srgbClr val="000000"/>
                     </a:solidFill>
@@ -11696,7 +11696,7 @@
               </a:ln>
               <a:extLst>
                 <a:ext uri="{91240B29-F687-4f45-9708-019B960494DF}">
-                  <a14:hiddenLine xmlns:a14="http://schemas.microsoft.com/office/drawing/2010/main" xmlns="" w="9525">
+                  <a14:hiddenLine xmlns="" xmlns:a14="http://schemas.microsoft.com/office/drawing/2010/main" w="9525">
                     <a:solidFill>
                       <a:srgbClr val="000000"/>
                     </a:solidFill>
@@ -11764,7 +11764,7 @@
               </a:ln>
               <a:extLst>
                 <a:ext uri="{91240B29-F687-4f45-9708-019B960494DF}">
-                  <a14:hiddenLine xmlns:a14="http://schemas.microsoft.com/office/drawing/2010/main" xmlns="" w="9525">
+                  <a14:hiddenLine xmlns="" xmlns:a14="http://schemas.microsoft.com/office/drawing/2010/main" w="9525">
                     <a:solidFill>
                       <a:srgbClr val="000000"/>
                     </a:solidFill>
@@ -11854,7 +11854,7 @@
               </a:ln>
               <a:extLst>
                 <a:ext uri="{91240B29-F687-4f45-9708-019B960494DF}">
-                  <a14:hiddenLine xmlns:a14="http://schemas.microsoft.com/office/drawing/2010/main" xmlns="" w="9525">
+                  <a14:hiddenLine xmlns="" xmlns:a14="http://schemas.microsoft.com/office/drawing/2010/main" w="9525">
                     <a:solidFill>
                       <a:srgbClr val="000000"/>
                     </a:solidFill>
@@ -11888,7 +11888,7 @@
               </a:ln>
               <a:extLst>
                 <a:ext uri="{91240B29-F687-4f45-9708-019B960494DF}">
-                  <a14:hiddenLine xmlns:a14="http://schemas.microsoft.com/office/drawing/2010/main" xmlns="" w="9525">
+                  <a14:hiddenLine xmlns="" xmlns:a14="http://schemas.microsoft.com/office/drawing/2010/main" w="9525">
                     <a:solidFill>
                       <a:srgbClr val="000000"/>
                     </a:solidFill>
@@ -12028,7 +12028,7 @@
           <a:p>
             <a:fld id="{3E882830-55CE-4407-A60C-FC34E7069EED}" type="datetimeFigureOut">
               <a:rPr lang="en-US" smtClean="0"/>
-              <a:t>4/15/2019</a:t>
+              <a:t>4/20/2019</a:t>
             </a:fld>
             <a:endParaRPr lang="en-US"/>
           </a:p>
@@ -12502,6 +12502,12 @@
               <a:t>CS 321-02 Spring 2019</a:t>
             </a:r>
           </a:p>
+          <a:p>
+            <a:r>
+              <a:rPr lang="en-US" dirty="0"/>
+              <a:t>Sean Mitchell, Megan Haskins, and Ansley Solomon </a:t>
+            </a:r>
+          </a:p>
         </p:txBody>
       </p:sp>
     </p:spTree>
@@ -12518,96 +12524,6 @@
 </file>
 
 <file path=ppt/slides/slide10.xml><?xml version="1.0" encoding="utf-8"?>
-<p:sld xmlns:a="http://schemas.openxmlformats.org/drawingml/2006/main" xmlns:r="http://schemas.openxmlformats.org/officeDocument/2006/relationships" xmlns:p="http://schemas.openxmlformats.org/presentationml/2006/main">
-  <p:cSld>
-    <p:spTree>
-      <p:nvGrpSpPr>
-        <p:cNvPr id="1" name=""/>
-        <p:cNvGrpSpPr/>
-        <p:nvPr/>
-      </p:nvGrpSpPr>
-      <p:grpSpPr>
-        <a:xfrm>
-          <a:off x="0" y="0"/>
-          <a:ext cx="0" cy="0"/>
-          <a:chOff x="0" y="0"/>
-          <a:chExt cx="0" cy="0"/>
-        </a:xfrm>
-      </p:grpSpPr>
-      <p:sp>
-        <p:nvSpPr>
-          <p:cNvPr id="2" name="Title 1">
-            <a:extLst>
-              <a:ext uri="{FF2B5EF4-FFF2-40B4-BE49-F238E27FC236}">
-                <a16:creationId xmlns:a16="http://schemas.microsoft.com/office/drawing/2014/main" id="{0FDD6383-0B24-4C80-9F00-D56093DA5D68}"/>
-              </a:ext>
-            </a:extLst>
-          </p:cNvPr>
-          <p:cNvSpPr>
-            <a:spLocks noGrp="1"/>
-          </p:cNvSpPr>
-          <p:nvPr>
-            <p:ph type="title"/>
-          </p:nvPr>
-        </p:nvSpPr>
-        <p:spPr/>
-        <p:txBody>
-          <a:bodyPr/>
-          <a:lstStyle/>
-          <a:p>
-            <a:endParaRPr lang="en-US" dirty="0"/>
-          </a:p>
-        </p:txBody>
-      </p:sp>
-      <p:pic>
-        <p:nvPicPr>
-          <p:cNvPr id="5" name="Content Placeholder 4">
-            <a:extLst>
-              <a:ext uri="{FF2B5EF4-FFF2-40B4-BE49-F238E27FC236}">
-                <a16:creationId xmlns:a16="http://schemas.microsoft.com/office/drawing/2014/main" id="{A3C4D5A9-6CE6-410A-80CF-F00284A529F3}"/>
-              </a:ext>
-            </a:extLst>
-          </p:cNvPr>
-          <p:cNvPicPr>
-            <a:picLocks noGrp="1" noChangeAspect="1"/>
-          </p:cNvPicPr>
-          <p:nvPr>
-            <p:ph idx="1"/>
-          </p:nvPr>
-        </p:nvPicPr>
-        <p:blipFill>
-          <a:blip r:embed="rId2">
-            <a:extLst>
-              <a:ext uri="{28A0092B-C50C-407E-A947-70E740481C1C}">
-                <a14:useLocalDpi xmlns:a14="http://schemas.microsoft.com/office/drawing/2010/main" val="0"/>
-              </a:ext>
-            </a:extLst>
-          </a:blip>
-          <a:stretch>
-            <a:fillRect/>
-          </a:stretch>
-        </p:blipFill>
-        <p:spPr>
-          <a:xfrm>
-            <a:off x="1974823" y="541816"/>
-            <a:ext cx="8239177" cy="5774367"/>
-          </a:xfrm>
-        </p:spPr>
-      </p:pic>
-    </p:spTree>
-    <p:extLst>
-      <p:ext uri="{BB962C8B-B14F-4D97-AF65-F5344CB8AC3E}">
-        <p14:creationId xmlns:p14="http://schemas.microsoft.com/office/powerpoint/2010/main" val="2929792582"/>
-      </p:ext>
-    </p:extLst>
-  </p:cSld>
-  <p:clrMapOvr>
-    <a:masterClrMapping/>
-  </p:clrMapOvr>
-</p:sld>
-</file>
-
-<file path=ppt/slides/slide11.xml><?xml version="1.0" encoding="utf-8"?>
 <p:sld xmlns:a="http://schemas.openxmlformats.org/drawingml/2006/main" xmlns:r="http://schemas.openxmlformats.org/officeDocument/2006/relationships" xmlns:p="http://schemas.openxmlformats.org/presentationml/2006/main">
   <p:cSld>
     <p:spTree>
@@ -12697,6 +12613,108 @@
 </p:sld>
 </file>
 
+<file path=ppt/slides/slide11.xml><?xml version="1.0" encoding="utf-8"?>
+<p:sld xmlns:a="http://schemas.openxmlformats.org/drawingml/2006/main" xmlns:r="http://schemas.openxmlformats.org/officeDocument/2006/relationships" xmlns:p="http://schemas.openxmlformats.org/presentationml/2006/main">
+  <p:cSld>
+    <p:spTree>
+      <p:nvGrpSpPr>
+        <p:cNvPr id="1" name=""/>
+        <p:cNvGrpSpPr/>
+        <p:nvPr/>
+      </p:nvGrpSpPr>
+      <p:grpSpPr>
+        <a:xfrm>
+          <a:off x="0" y="0"/>
+          <a:ext cx="0" cy="0"/>
+          <a:chOff x="0" y="0"/>
+          <a:chExt cx="0" cy="0"/>
+        </a:xfrm>
+      </p:grpSpPr>
+      <p:sp>
+        <p:nvSpPr>
+          <p:cNvPr id="2" name="Title 1">
+            <a:extLst>
+              <a:ext uri="{FF2B5EF4-FFF2-40B4-BE49-F238E27FC236}">
+                <a16:creationId xmlns:a16="http://schemas.microsoft.com/office/drawing/2014/main" id="{317DC1F8-57F9-40A8-97EC-174BA8BAE0C1}"/>
+              </a:ext>
+            </a:extLst>
+          </p:cNvPr>
+          <p:cNvSpPr>
+            <a:spLocks noGrp="1"/>
+          </p:cNvSpPr>
+          <p:nvPr>
+            <p:ph type="title"/>
+          </p:nvPr>
+        </p:nvSpPr>
+        <p:spPr>
+          <a:xfrm>
+            <a:off x="1141413" y="618518"/>
+            <a:ext cx="9905998" cy="684189"/>
+          </a:xfrm>
+        </p:spPr>
+        <p:txBody>
+          <a:bodyPr/>
+          <a:lstStyle/>
+          <a:p>
+            <a:r>
+              <a:rPr lang="en-US" dirty="0"/>
+              <a:t>Design patterns</a:t>
+            </a:r>
+          </a:p>
+        </p:txBody>
+      </p:sp>
+      <p:sp>
+        <p:nvSpPr>
+          <p:cNvPr id="3" name="Content Placeholder 2">
+            <a:extLst>
+              <a:ext uri="{FF2B5EF4-FFF2-40B4-BE49-F238E27FC236}">
+                <a16:creationId xmlns:a16="http://schemas.microsoft.com/office/drawing/2014/main" id="{CF7110E4-47C0-47DA-B277-17CCEBA8008B}"/>
+              </a:ext>
+            </a:extLst>
+          </p:cNvPr>
+          <p:cNvSpPr>
+            <a:spLocks noGrp="1"/>
+          </p:cNvSpPr>
+          <p:nvPr>
+            <p:ph idx="1"/>
+          </p:nvPr>
+        </p:nvSpPr>
+        <p:spPr>
+          <a:xfrm>
+            <a:off x="1141412" y="1302707"/>
+            <a:ext cx="9905999" cy="4488494"/>
+          </a:xfrm>
+        </p:spPr>
+        <p:txBody>
+          <a:bodyPr/>
+          <a:lstStyle/>
+          <a:p>
+            <a:r>
+              <a:rPr lang="en-US" dirty="0"/>
+              <a:t>Passive MVC</a:t>
+            </a:r>
+          </a:p>
+          <a:p>
+            <a:r>
+              <a:rPr lang="en-US" dirty="0"/>
+              <a:t>Adapter</a:t>
+            </a:r>
+          </a:p>
+        </p:txBody>
+      </p:sp>
+    </p:spTree>
+    <p:extLst>
+      <p:ext uri="{BB962C8B-B14F-4D97-AF65-F5344CB8AC3E}">
+        <p14:creationId xmlns:p14="http://schemas.microsoft.com/office/powerpoint/2010/main" val="3596121615"/>
+      </p:ext>
+    </p:extLst>
+  </p:cSld>
+  <p:clrMapOvr>
+    <a:masterClrMapping/>
+  </p:clrMapOvr>
+</p:sld>
+</file>
+
 <file path=ppt/slides/slide12.xml><?xml version="1.0" encoding="utf-8"?>
 <p:sld xmlns:a="http://schemas.openxmlformats.org/drawingml/2006/main" xmlns:r="http://schemas.openxmlformats.org/officeDocument/2006/relationships" xmlns:p="http://schemas.openxmlformats.org/presentationml/2006/main">
   <p:cSld>
@@ -12765,7 +12783,7 @@
           <a:p>
             <a:r>
               <a:rPr lang="en-US" dirty="0"/>
-              <a:t>Video goes here</a:t>
+              <a:t>Real gameplay!</a:t>
             </a:r>
           </a:p>
         </p:txBody>
@@ -12823,8 +12841,143 @@
           <a:p>
             <a:r>
               <a:rPr lang="en-US" dirty="0"/>
+              <a:t>Conclusion</a:t>
+            </a:r>
+          </a:p>
+        </p:txBody>
+      </p:sp>
+      <p:sp>
+        <p:nvSpPr>
+          <p:cNvPr id="3" name="TextBox 2">
+            <a:extLst>
+              <a:ext uri="{FF2B5EF4-FFF2-40B4-BE49-F238E27FC236}">
+                <a16:creationId xmlns:a16="http://schemas.microsoft.com/office/drawing/2014/main" id="{FA064C61-D3E1-4406-B3E9-98BD93A5195C}"/>
+              </a:ext>
+            </a:extLst>
+          </p:cNvPr>
+          <p:cNvSpPr txBox="1"/>
+          <p:nvPr/>
+        </p:nvSpPr>
+        <p:spPr>
+          <a:xfrm>
+            <a:off x="1141412" y="1934249"/>
+            <a:ext cx="9905998" cy="3662541"/>
+          </a:xfrm>
+          <a:prstGeom prst="rect">
+            <a:avLst/>
+          </a:prstGeom>
+          <a:noFill/>
+        </p:spPr>
+        <p:txBody>
+          <a:bodyPr wrap="square" rtlCol="0">
+            <a:spAutoFit/>
+          </a:bodyPr>
+          <a:lstStyle/>
+          <a:p>
+            <a:pPr marL="285750" indent="-285750">
+              <a:buFont typeface="Arial" panose="020B0604020202020204" pitchFamily="34" charset="0"/>
+              <a:buChar char="•"/>
+            </a:pPr>
+            <a:r>
+              <a:rPr lang="en-US" sz="2400" dirty="0"/>
+              <a:t>Final summary</a:t>
+            </a:r>
+          </a:p>
+          <a:p>
+            <a:pPr marL="742950" lvl="1" indent="-285750">
+              <a:buFont typeface="Arial" panose="020B0604020202020204" pitchFamily="34" charset="0"/>
+              <a:buChar char="•"/>
+            </a:pPr>
+            <a:r>
+              <a:rPr lang="en-US" sz="1600" dirty="0"/>
+              <a:t>UAH themed monopoly</a:t>
+            </a:r>
+          </a:p>
+          <a:p>
+            <a:pPr marL="742950" lvl="1" indent="-285750">
+              <a:buFont typeface="Arial" panose="020B0604020202020204" pitchFamily="34" charset="0"/>
+              <a:buChar char="•"/>
+            </a:pPr>
+            <a:r>
+              <a:rPr lang="en-US" sz="1600" dirty="0"/>
+              <a:t>Tiles and cards generated from XML on startup</a:t>
+            </a:r>
+          </a:p>
+          <a:p>
+            <a:pPr marL="742950" lvl="1" indent="-285750">
+              <a:buFont typeface="Arial" panose="020B0604020202020204" pitchFamily="34" charset="0"/>
+              <a:buChar char="•"/>
+            </a:pPr>
+            <a:r>
+              <a:rPr lang="en-US" sz="1600" dirty="0"/>
+              <a:t>Dynamic events for when a player lands on a tile or draws a card</a:t>
+            </a:r>
+          </a:p>
+          <a:p>
+            <a:pPr marL="742950" lvl="1" indent="-285750">
+              <a:buFont typeface="Arial" panose="020B0604020202020204" pitchFamily="34" charset="0"/>
+              <a:buChar char="•"/>
+            </a:pPr>
+            <a:r>
+              <a:rPr lang="en-US" sz="1600" dirty="0"/>
+              <a:t>Graphical interface for players to interact with</a:t>
+            </a:r>
+          </a:p>
+          <a:p>
+            <a:endParaRPr lang="en-US" dirty="0"/>
+          </a:p>
+          <a:p>
+            <a:pPr marL="285750" indent="-285750">
+              <a:buFont typeface="Arial" panose="020B0604020202020204" pitchFamily="34" charset="0"/>
+              <a:buChar char="•"/>
+            </a:pPr>
+            <a:r>
+              <a:rPr lang="en-US" sz="2400" dirty="0"/>
               <a:t>Questions?</a:t>
             </a:r>
+          </a:p>
+          <a:p>
+            <a:endParaRPr lang="en-US" sz="2400" dirty="0"/>
+          </a:p>
+          <a:p>
+            <a:pPr marL="285750" indent="-285750">
+              <a:buFont typeface="Arial" panose="020B0604020202020204" pitchFamily="34" charset="0"/>
+              <a:buChar char="•"/>
+            </a:pPr>
+            <a:r>
+              <a:rPr lang="en-US" sz="2400" dirty="0"/>
+              <a:t>Our GitHub</a:t>
+            </a:r>
+          </a:p>
+          <a:p>
+            <a:pPr marL="742950" lvl="1" indent="-285750">
+              <a:buFont typeface="Arial" panose="020B0604020202020204" pitchFamily="34" charset="0"/>
+              <a:buChar char="•"/>
+            </a:pPr>
+            <a:r>
+              <a:rPr lang="en-US" dirty="0">
+                <a:hlinkClick r:id="rId2"/>
+              </a:rPr>
+              <a:t>https://github.com/SeanMitchell1994/CS321_SP2019</a:t>
+            </a:r>
+            <a:endParaRPr lang="en-US" dirty="0"/>
+          </a:p>
+          <a:p>
+            <a:pPr marL="742950" lvl="1" indent="-285750">
+              <a:buFont typeface="Arial" panose="020B0604020202020204" pitchFamily="34" charset="0"/>
+              <a:buChar char="•"/>
+            </a:pPr>
+            <a:r>
+              <a:rPr lang="en-US" dirty="0"/>
+              <a:t>Pull the .zip file under the v1.0 release if you want to play the game</a:t>
+            </a:r>
+          </a:p>
+          <a:p>
+            <a:pPr marL="742950" lvl="1" indent="-285750">
+              <a:buFont typeface="Arial" panose="020B0604020202020204" pitchFamily="34" charset="0"/>
+              <a:buChar char="•"/>
+            </a:pPr>
+            <a:endParaRPr lang="en-US" dirty="0"/>
           </a:p>
         </p:txBody>
       </p:sp>
@@ -12905,7 +13058,7 @@
         <p:spPr/>
         <p:txBody>
           <a:bodyPr>
-            <a:normAutofit fontScale="92500" lnSpcReduction="10000"/>
+            <a:normAutofit fontScale="85000" lnSpcReduction="20000"/>
           </a:bodyPr>
           <a:lstStyle/>
           <a:p>
@@ -12919,7 +13072,7 @@
             <a:pPr marL="285750" indent="-285750"/>
             <a:r>
               <a:rPr lang="en-US" dirty="0"/>
-              <a:t>Project Summary</a:t>
+              <a:t>Project Overview</a:t>
             </a:r>
           </a:p>
           <a:p>
@@ -12933,6 +13086,13 @@
             <a:pPr marL="285750" indent="-285750"/>
             <a:r>
               <a:rPr lang="en-US" dirty="0"/>
+              <a:t>Use Cases</a:t>
+            </a:r>
+          </a:p>
+          <a:p>
+            <a:pPr marL="285750" indent="-285750"/>
+            <a:r>
+              <a:rPr lang="en-US" dirty="0"/>
               <a:t>UML Diagram</a:t>
             </a:r>
           </a:p>
@@ -12940,21 +13100,21 @@
             <a:pPr marL="285750" indent="-285750"/>
             <a:r>
               <a:rPr lang="en-US" dirty="0"/>
-              <a:t>Use Cases</a:t>
+              <a:t>Design Patterns</a:t>
             </a:r>
           </a:p>
           <a:p>
             <a:pPr marL="285750" indent="-285750"/>
             <a:r>
               <a:rPr lang="en-US" dirty="0"/>
-              <a:t>Demo</a:t>
+              <a:t>Gameplay demo</a:t>
             </a:r>
           </a:p>
           <a:p>
             <a:pPr marL="285750" indent="-285750"/>
             <a:r>
               <a:rPr lang="en-US" dirty="0"/>
-              <a:t>Q&amp;A</a:t>
+              <a:t>Conclusion</a:t>
             </a:r>
           </a:p>
         </p:txBody>
@@ -13005,14 +13165,22 @@
             <p:ph type="title"/>
           </p:nvPr>
         </p:nvSpPr>
-        <p:spPr/>
+        <p:spPr>
+          <a:xfrm>
+            <a:off x="1141413" y="618519"/>
+            <a:ext cx="9905998" cy="458720"/>
+          </a:xfrm>
+        </p:spPr>
         <p:txBody>
-          <a:bodyPr/>
+          <a:bodyPr>
+            <a:normAutofit fontScale="90000"/>
+          </a:bodyPr>
           <a:lstStyle/>
           <a:p>
+            <a:pPr algn="ctr"/>
             <a:r>
               <a:rPr lang="en-US" dirty="0"/>
-              <a:t>Members</a:t>
+              <a:t>Project overview</a:t>
             </a:r>
           </a:p>
         </p:txBody>
@@ -13033,37 +13201,126 @@
             <p:ph idx="1"/>
           </p:nvPr>
         </p:nvSpPr>
-        <p:spPr/>
+        <p:spPr>
+          <a:xfrm>
+            <a:off x="1141412" y="1177446"/>
+            <a:ext cx="9905999" cy="5423769"/>
+          </a:xfrm>
+        </p:spPr>
         <p:txBody>
-          <a:bodyPr/>
+          <a:bodyPr>
+            <a:normAutofit/>
+          </a:bodyPr>
           <a:lstStyle/>
           <a:p>
             <a:pPr marL="285750" indent="-285750"/>
             <a:r>
               <a:rPr lang="en-US" dirty="0"/>
-              <a:t>Team Members</a:t>
+              <a:t>Team Members and Roles</a:t>
             </a:r>
           </a:p>
           <a:p>
             <a:pPr marL="742950" lvl="1" indent="-285750"/>
             <a:r>
+              <a:rPr lang="en-US" sz="1600" dirty="0"/>
+              <a:t>Sean Mitchell - Backend</a:t>
+            </a:r>
+          </a:p>
+          <a:p>
+            <a:pPr marL="742950" lvl="1" indent="-285750"/>
+            <a:r>
+              <a:rPr lang="en-US" sz="1600" dirty="0"/>
+              <a:t>Megan Haskins - Graphics</a:t>
+            </a:r>
+          </a:p>
+          <a:p>
+            <a:pPr marL="742950" lvl="1" indent="-285750"/>
+            <a:r>
+              <a:rPr lang="en-US" sz="1600" dirty="0"/>
+              <a:t>Ansley Solomon – XML/Database</a:t>
+            </a:r>
+          </a:p>
+          <a:p>
+            <a:pPr marL="285750" indent="-285750"/>
+            <a:r>
               <a:rPr lang="en-US" dirty="0"/>
-              <a:t>Sean Mitchell - Backend</a:t>
+              <a:t>Workflow</a:t>
             </a:r>
           </a:p>
           <a:p>
             <a:pPr marL="742950" lvl="1" indent="-285750"/>
             <a:r>
-              <a:rPr lang="en-US" dirty="0"/>
-              <a:t>Megan Haskins - Graphics</a:t>
+              <a:rPr lang="en-US" sz="1600" dirty="0"/>
+              <a:t>Weekly meetings in person to discuss progress</a:t>
             </a:r>
           </a:p>
           <a:p>
             <a:pPr marL="742950" lvl="1" indent="-285750"/>
             <a:r>
-              <a:rPr lang="en-US" dirty="0"/>
-              <a:t>Ansley Solomon – XML/Database</a:t>
-            </a:r>
+              <a:rPr lang="en-US" sz="1600" dirty="0"/>
+              <a:t>Communication via GroupMe application</a:t>
+            </a:r>
+          </a:p>
+          <a:p>
+            <a:pPr marL="742950" lvl="1" indent="-285750"/>
+            <a:r>
+              <a:rPr lang="en-US" sz="1600" dirty="0"/>
+              <a:t>Code stored and shared on </a:t>
+            </a:r>
+            <a:r>
+              <a:rPr lang="en-US" sz="1600" dirty="0" err="1"/>
+              <a:t>Github</a:t>
+            </a:r>
+            <a:endParaRPr lang="en-US" sz="1600" dirty="0"/>
+          </a:p>
+          <a:p>
+            <a:pPr marL="285750" indent="-285750"/>
+            <a:r>
+              <a:rPr lang="en-US" sz="2000" dirty="0"/>
+              <a:t>Project Statistics</a:t>
+            </a:r>
+          </a:p>
+          <a:p>
+            <a:pPr marL="742950" lvl="1" indent="-285750"/>
+            <a:r>
+              <a:rPr lang="en-US" sz="1600" dirty="0"/>
+              <a:t>N .java files</a:t>
+            </a:r>
+          </a:p>
+          <a:p>
+            <a:pPr marL="742950" lvl="1" indent="-285750"/>
+            <a:r>
+              <a:rPr lang="en-US" sz="1600" dirty="0"/>
+              <a:t>N images</a:t>
+            </a:r>
+          </a:p>
+          <a:p>
+            <a:pPr marL="742950" lvl="1" indent="-285750"/>
+            <a:r>
+              <a:rPr lang="en-US" sz="1600" dirty="0"/>
+              <a:t>N commits to </a:t>
+            </a:r>
+            <a:r>
+              <a:rPr lang="en-US" sz="1600" dirty="0" err="1"/>
+              <a:t>Github</a:t>
+            </a:r>
+            <a:endParaRPr lang="en-US" sz="1600" dirty="0"/>
+          </a:p>
+          <a:p>
+            <a:pPr marL="742950" lvl="1" indent="-285750"/>
+            <a:endParaRPr lang="en-US" sz="1600" dirty="0"/>
+          </a:p>
+          <a:p>
+            <a:pPr marL="742950" lvl="1" indent="-285750"/>
+            <a:endParaRPr lang="en-US" sz="1600" dirty="0"/>
+          </a:p>
+          <a:p>
+            <a:pPr marL="285750" indent="-285750"/>
+            <a:endParaRPr lang="en-US" dirty="0"/>
+          </a:p>
+          <a:p>
+            <a:pPr marL="285750" indent="-285750"/>
+            <a:endParaRPr lang="en-US" dirty="0"/>
           </a:p>
           <a:p>
             <a:endParaRPr lang="en-US" dirty="0"/>
@@ -13105,7 +13362,7 @@
           <p:cNvPr id="2" name="Title 1">
             <a:extLst>
               <a:ext uri="{FF2B5EF4-FFF2-40B4-BE49-F238E27FC236}">
-                <a16:creationId xmlns:a16="http://schemas.microsoft.com/office/drawing/2014/main" id="{6B571833-F502-4136-911D-1F200DB5EF9D}"/>
+                <a16:creationId xmlns:a16="http://schemas.microsoft.com/office/drawing/2014/main" id="{C8566E8F-0036-46CF-9AE5-FAE4B987EA56}"/>
               </a:ext>
             </a:extLst>
           </p:cNvPr>
@@ -13123,17 +13380,17 @@
           <a:p>
             <a:r>
               <a:rPr lang="en-US" dirty="0"/>
-              <a:t>Workflow			    Project Statistics</a:t>
+              <a:t>The Project – UAH Themed Monopoly</a:t>
             </a:r>
           </a:p>
         </p:txBody>
       </p:sp>
       <p:sp>
         <p:nvSpPr>
-          <p:cNvPr id="5" name="Content Placeholder 4">
+          <p:cNvPr id="4" name="Content Placeholder 3">
             <a:extLst>
               <a:ext uri="{FF2B5EF4-FFF2-40B4-BE49-F238E27FC236}">
-                <a16:creationId xmlns:a16="http://schemas.microsoft.com/office/drawing/2014/main" id="{AC557BA3-0657-4C4A-9CD1-ADCB1C50A6B6}"/>
+                <a16:creationId xmlns:a16="http://schemas.microsoft.com/office/drawing/2014/main" id="{465F35AF-B3EC-43E7-B685-B7B9A7305B21}"/>
               </a:ext>
             </a:extLst>
           </p:cNvPr>
@@ -13141,7 +13398,7 @@
             <a:spLocks noGrp="1"/>
           </p:cNvSpPr>
           <p:nvPr>
-            <p:ph sz="half" idx="1"/>
+            <p:ph idx="1"/>
           </p:nvPr>
         </p:nvSpPr>
         <p:spPr/>
@@ -13149,105 +13406,47 @@
           <a:bodyPr/>
           <a:lstStyle/>
           <a:p>
-            <a:pPr marL="285750" indent="-285750"/>
             <a:r>
               <a:rPr lang="en-US" dirty="0"/>
-              <a:t>Weekly meetings in person to discuss progress</a:t>
-            </a:r>
-          </a:p>
-          <a:p>
-            <a:pPr marL="285750" indent="-285750"/>
+              <a:t>Set player names, timer for game</a:t>
+            </a:r>
+          </a:p>
+          <a:p>
             <a:r>
               <a:rPr lang="en-US" dirty="0"/>
-              <a:t>Communication via GroupMe application</a:t>
-            </a:r>
-          </a:p>
-          <a:p>
-            <a:pPr marL="285750" indent="-285750"/>
+              <a:t>Create board</a:t>
+            </a:r>
+          </a:p>
+          <a:p>
             <a:r>
               <a:rPr lang="en-US" dirty="0"/>
-              <a:t>Code stored on </a:t>
-            </a:r>
-            <a:r>
-              <a:rPr lang="en-US" dirty="0" err="1"/>
-              <a:t>Github</a:t>
-            </a:r>
-            <a:endParaRPr lang="en-US" dirty="0"/>
-          </a:p>
-          <a:p>
-            <a:endParaRPr lang="en-US" dirty="0"/>
-          </a:p>
-        </p:txBody>
-      </p:sp>
-      <p:sp>
-        <p:nvSpPr>
-          <p:cNvPr id="6" name="Content Placeholder 5">
-            <a:extLst>
-              <a:ext uri="{FF2B5EF4-FFF2-40B4-BE49-F238E27FC236}">
-                <a16:creationId xmlns:a16="http://schemas.microsoft.com/office/drawing/2014/main" id="{7694CF39-6536-4AFB-9CC2-7FFBD2256211}"/>
-              </a:ext>
-            </a:extLst>
-          </p:cNvPr>
-          <p:cNvSpPr>
-            <a:spLocks noGrp="1"/>
-          </p:cNvSpPr>
-          <p:nvPr>
-            <p:ph sz="half" idx="2"/>
-          </p:nvPr>
-        </p:nvSpPr>
-        <p:spPr/>
-        <p:txBody>
-          <a:bodyPr/>
-          <a:lstStyle/>
-          <a:p>
-            <a:pPr marL="285750" indent="-285750"/>
+              <a:t>Player turns – roll dice, move token, end turn</a:t>
+            </a:r>
+          </a:p>
+          <a:p>
             <a:r>
               <a:rPr lang="en-US" dirty="0"/>
-              <a:t>N .java files</a:t>
-            </a:r>
-          </a:p>
-          <a:p>
-            <a:pPr marL="285750" indent="-285750"/>
+              <a:t>Buy, sell, trade properties</a:t>
+            </a:r>
+          </a:p>
+          <a:p>
             <a:r>
               <a:rPr lang="en-US" dirty="0"/>
-              <a:t>N images</a:t>
-            </a:r>
-          </a:p>
-          <a:p>
-            <a:pPr marL="285750" indent="-285750"/>
+              <a:t>Draw chance, community chest cards</a:t>
+            </a:r>
+          </a:p>
+          <a:p>
             <a:r>
               <a:rPr lang="en-US" dirty="0"/>
-              <a:t>N lines of java code</a:t>
-            </a:r>
-          </a:p>
-          <a:p>
-            <a:pPr marL="285750" indent="-285750"/>
-            <a:r>
-              <a:rPr lang="en-US" dirty="0"/>
-              <a:t>N lines of XML</a:t>
-            </a:r>
-          </a:p>
-          <a:p>
-            <a:pPr marL="285750" indent="-285750"/>
-            <a:r>
-              <a:rPr lang="en-US" dirty="0"/>
-              <a:t>N commits to </a:t>
-            </a:r>
-            <a:r>
-              <a:rPr lang="en-US" dirty="0" err="1"/>
-              <a:t>Github</a:t>
-            </a:r>
-            <a:endParaRPr lang="en-US" dirty="0"/>
-          </a:p>
-          <a:p>
-            <a:endParaRPr lang="en-US" dirty="0"/>
+              <a:t>Go to jail</a:t>
+            </a:r>
           </a:p>
         </p:txBody>
       </p:sp>
     </p:spTree>
     <p:extLst>
       <p:ext uri="{BB962C8B-B14F-4D97-AF65-F5344CB8AC3E}">
-        <p14:creationId xmlns:p14="http://schemas.microsoft.com/office/powerpoint/2010/main" val="3034184091"/>
+        <p14:creationId xmlns:p14="http://schemas.microsoft.com/office/powerpoint/2010/main" val="2103921889"/>
       </p:ext>
     </p:extLst>
   </p:cSld>
@@ -13279,7 +13478,7 @@
           <p:cNvPr id="2" name="Title 1">
             <a:extLst>
               <a:ext uri="{FF2B5EF4-FFF2-40B4-BE49-F238E27FC236}">
-                <a16:creationId xmlns:a16="http://schemas.microsoft.com/office/drawing/2014/main" id="{C8566E8F-0036-46CF-9AE5-FAE4B987EA56}"/>
+                <a16:creationId xmlns:a16="http://schemas.microsoft.com/office/drawing/2014/main" id="{B8A65464-321C-4697-947E-405B23F1C870}"/>
               </a:ext>
             </a:extLst>
           </p:cNvPr>
@@ -13297,17 +13496,17 @@
           <a:p>
             <a:r>
               <a:rPr lang="en-US" dirty="0"/>
-              <a:t>The Project – UAH Themed Monopoly</a:t>
+              <a:t>The Project – Ansley Solomon</a:t>
             </a:r>
           </a:p>
         </p:txBody>
       </p:sp>
       <p:sp>
         <p:nvSpPr>
-          <p:cNvPr id="4" name="Content Placeholder 3">
+          <p:cNvPr id="3" name="Content Placeholder 2">
             <a:extLst>
               <a:ext uri="{FF2B5EF4-FFF2-40B4-BE49-F238E27FC236}">
-                <a16:creationId xmlns:a16="http://schemas.microsoft.com/office/drawing/2014/main" id="{465F35AF-B3EC-43E7-B685-B7B9A7305B21}"/>
+                <a16:creationId xmlns:a16="http://schemas.microsoft.com/office/drawing/2014/main" id="{36A815E0-E80C-454A-BCEC-AC3CF3A69822}"/>
               </a:ext>
             </a:extLst>
           </p:cNvPr>
@@ -13320,50 +13519,60 @@
         </p:nvSpPr>
         <p:spPr/>
         <p:txBody>
-          <a:bodyPr/>
+          <a:bodyPr>
+            <a:normAutofit fontScale="92500" lnSpcReduction="20000"/>
+          </a:bodyPr>
           <a:lstStyle/>
           <a:p>
             <a:r>
               <a:rPr lang="en-US" dirty="0"/>
-              <a:t>Set player names, timer for game</a:t>
+              <a:t>Gathered information for properties</a:t>
             </a:r>
           </a:p>
           <a:p>
             <a:r>
               <a:rPr lang="en-US" dirty="0"/>
-              <a:t>Create board</a:t>
+              <a:t>Wrote all the Chance and Community Chance cards</a:t>
             </a:r>
           </a:p>
           <a:p>
             <a:r>
               <a:rPr lang="en-US" dirty="0"/>
-              <a:t>Player turns – roll dice, move token, end turn</a:t>
+              <a:t>Wrote the XML files</a:t>
             </a:r>
           </a:p>
           <a:p>
             <a:r>
               <a:rPr lang="en-US" dirty="0"/>
-              <a:t>Buy, sell, trade properties</a:t>
+              <a:t>Wrote the XML parser</a:t>
             </a:r>
           </a:p>
           <a:p>
             <a:r>
               <a:rPr lang="en-US" dirty="0"/>
-              <a:t>Draw chance, community chest cards</a:t>
-            </a:r>
+              <a:t>Added Javadoc comments</a:t>
+            </a:r>
+          </a:p>
+          <a:p>
+            <a:endParaRPr lang="en-US" dirty="0"/>
           </a:p>
           <a:p>
             <a:r>
               <a:rPr lang="en-US" dirty="0"/>
-              <a:t>Go to jail</a:t>
-            </a:r>
+              <a:t>Classes I Wrote: Card, Decks, Property, Crosswalk, Utilities, 					</a:t>
+            </a:r>
+            <a:r>
+              <a:rPr lang="en-US" dirty="0" err="1"/>
+              <a:t>PropertyList</a:t>
+            </a:r>
+            <a:endParaRPr lang="en-US" dirty="0"/>
           </a:p>
         </p:txBody>
       </p:sp>
     </p:spTree>
     <p:extLst>
       <p:ext uri="{BB962C8B-B14F-4D97-AF65-F5344CB8AC3E}">
-        <p14:creationId xmlns:p14="http://schemas.microsoft.com/office/powerpoint/2010/main" val="2103921889"/>
+        <p14:creationId xmlns:p14="http://schemas.microsoft.com/office/powerpoint/2010/main" val="3053350755"/>
       </p:ext>
     </p:extLst>
   </p:cSld>
@@ -13439,7 +13648,50 @@
           <a:bodyPr/>
           <a:lstStyle/>
           <a:p>
-            <a:endParaRPr lang="en-US"/>
+            <a:r>
+              <a:rPr lang="en-US" dirty="0"/>
+              <a:t>Wrote backend code for player and tile classes</a:t>
+            </a:r>
+          </a:p>
+          <a:p>
+            <a:r>
+              <a:rPr lang="en-US" dirty="0"/>
+              <a:t>Provided an interface between GUI and XML</a:t>
+            </a:r>
+          </a:p>
+          <a:p>
+            <a:r>
+              <a:rPr lang="en-US" dirty="0"/>
+              <a:t>Javadoc and inline documentation</a:t>
+            </a:r>
+          </a:p>
+          <a:p>
+            <a:endParaRPr lang="en-US" dirty="0"/>
+          </a:p>
+          <a:p>
+            <a:r>
+              <a:rPr lang="en-US" dirty="0"/>
+              <a:t>Classes I wrote</a:t>
+            </a:r>
+          </a:p>
+          <a:p>
+            <a:pPr lvl="1"/>
+            <a:r>
+              <a:rPr lang="en-US" dirty="0" err="1"/>
+              <a:t>Tile_Adapter</a:t>
+            </a:r>
+            <a:r>
+              <a:rPr lang="en-US" dirty="0"/>
+              <a:t>, Player, Board, </a:t>
+            </a:r>
+            <a:r>
+              <a:rPr lang="en-US" dirty="0" err="1"/>
+              <a:t>Dice_Roller</a:t>
+            </a:r>
+            <a:r>
+              <a:rPr lang="en-US" dirty="0"/>
+              <a:t>, tile subclasses</a:t>
+            </a:r>
           </a:p>
         </p:txBody>
       </p:sp>
@@ -13561,7 +13813,7 @@
           <p:cNvPr id="2" name="Title 1">
             <a:extLst>
               <a:ext uri="{FF2B5EF4-FFF2-40B4-BE49-F238E27FC236}">
-                <a16:creationId xmlns:a16="http://schemas.microsoft.com/office/drawing/2014/main" id="{B8A65464-321C-4697-947E-405B23F1C870}"/>
+                <a16:creationId xmlns:a16="http://schemas.microsoft.com/office/drawing/2014/main" id="{55341980-0FB1-496F-8870-FE38AF1B4DFE}"/>
               </a:ext>
             </a:extLst>
           </p:cNvPr>
@@ -13579,7 +13831,7 @@
           <a:p>
             <a:r>
               <a:rPr lang="en-US" dirty="0"/>
-              <a:t>The Project – Ansley Solomon</a:t>
+              <a:t>UML Diagram</a:t>
             </a:r>
           </a:p>
         </p:txBody>
@@ -13589,7 +13841,7 @@
           <p:cNvPr id="3" name="Content Placeholder 2">
             <a:extLst>
               <a:ext uri="{FF2B5EF4-FFF2-40B4-BE49-F238E27FC236}">
-                <a16:creationId xmlns:a16="http://schemas.microsoft.com/office/drawing/2014/main" id="{36A815E0-E80C-454A-BCEC-AC3CF3A69822}"/>
+                <a16:creationId xmlns:a16="http://schemas.microsoft.com/office/drawing/2014/main" id="{59422610-76E1-403D-93A8-F13C9AAF71FC}"/>
               </a:ext>
             </a:extLst>
           </p:cNvPr>
@@ -13602,52 +13854,9 @@
         </p:nvSpPr>
         <p:spPr/>
         <p:txBody>
-          <a:bodyPr>
-            <a:normAutofit fontScale="92500" lnSpcReduction="20000"/>
-          </a:bodyPr>
+          <a:bodyPr/>
           <a:lstStyle/>
           <a:p>
-            <a:r>
-              <a:rPr lang="en-US" dirty="0"/>
-              <a:t>Gathered information for properties</a:t>
-            </a:r>
-          </a:p>
-          <a:p>
-            <a:r>
-              <a:rPr lang="en-US" dirty="0"/>
-              <a:t>Wrote all the Chance and Community Chance cards</a:t>
-            </a:r>
-          </a:p>
-          <a:p>
-            <a:r>
-              <a:rPr lang="en-US" dirty="0"/>
-              <a:t>Wrote the XML files</a:t>
-            </a:r>
-          </a:p>
-          <a:p>
-            <a:r>
-              <a:rPr lang="en-US" dirty="0"/>
-              <a:t>Wrote the XML parser</a:t>
-            </a:r>
-          </a:p>
-          <a:p>
-            <a:r>
-              <a:rPr lang="en-US" dirty="0"/>
-              <a:t>Added Javadoc comments</a:t>
-            </a:r>
-          </a:p>
-          <a:p>
-            <a:endParaRPr lang="en-US" dirty="0"/>
-          </a:p>
-          <a:p>
-            <a:r>
-              <a:rPr lang="en-US" dirty="0"/>
-              <a:t>Classes I Wrote: Card, Decks, Property, Crosswalk, Utilities, 					</a:t>
-            </a:r>
-            <a:r>
-              <a:rPr lang="en-US" dirty="0" err="1"/>
-              <a:t>PropertyList</a:t>
-            </a:r>
             <a:endParaRPr lang="en-US" dirty="0"/>
           </a:p>
         </p:txBody>
@@ -13655,7 +13864,7 @@
     </p:spTree>
     <p:extLst>
       <p:ext uri="{BB962C8B-B14F-4D97-AF65-F5344CB8AC3E}">
-        <p14:creationId xmlns:p14="http://schemas.microsoft.com/office/powerpoint/2010/main" val="3053350755"/>
+        <p14:creationId xmlns:p14="http://schemas.microsoft.com/office/powerpoint/2010/main" val="3729806697"/>
       </p:ext>
     </p:extLst>
   </p:cSld>
@@ -13687,7 +13896,7 @@
           <p:cNvPr id="2" name="Title 1">
             <a:extLst>
               <a:ext uri="{FF2B5EF4-FFF2-40B4-BE49-F238E27FC236}">
-                <a16:creationId xmlns:a16="http://schemas.microsoft.com/office/drawing/2014/main" id="{55341980-0FB1-496F-8870-FE38AF1B4DFE}"/>
+                <a16:creationId xmlns:a16="http://schemas.microsoft.com/office/drawing/2014/main" id="{0FDD6383-0B24-4C80-9F00-D56093DA5D68}"/>
               </a:ext>
             </a:extLst>
           </p:cNvPr>
@@ -13703,42 +13912,49 @@
           <a:bodyPr/>
           <a:lstStyle/>
           <a:p>
-            <a:r>
-              <a:rPr lang="en-US" dirty="0"/>
-              <a:t>UML Diagram</a:t>
-            </a:r>
+            <a:endParaRPr lang="en-US" dirty="0"/>
           </a:p>
         </p:txBody>
       </p:sp>
-      <p:sp>
-        <p:nvSpPr>
-          <p:cNvPr id="3" name="Content Placeholder 2">
+      <p:pic>
+        <p:nvPicPr>
+          <p:cNvPr id="5" name="Content Placeholder 4">
             <a:extLst>
               <a:ext uri="{FF2B5EF4-FFF2-40B4-BE49-F238E27FC236}">
-                <a16:creationId xmlns:a16="http://schemas.microsoft.com/office/drawing/2014/main" id="{59422610-76E1-403D-93A8-F13C9AAF71FC}"/>
+                <a16:creationId xmlns:a16="http://schemas.microsoft.com/office/drawing/2014/main" id="{A3C4D5A9-6CE6-410A-80CF-F00284A529F3}"/>
               </a:ext>
             </a:extLst>
           </p:cNvPr>
-          <p:cNvSpPr>
-            <a:spLocks noGrp="1"/>
-          </p:cNvSpPr>
+          <p:cNvPicPr>
+            <a:picLocks noGrp="1" noChangeAspect="1"/>
+          </p:cNvPicPr>
           <p:nvPr>
             <p:ph idx="1"/>
           </p:nvPr>
-        </p:nvSpPr>
-        <p:spPr/>
-        <p:txBody>
-          <a:bodyPr/>
-          <a:lstStyle/>
-          <a:p>
-            <a:endParaRPr lang="en-US" dirty="0"/>
-          </a:p>
-        </p:txBody>
-      </p:sp>
+        </p:nvPicPr>
+        <p:blipFill>
+          <a:blip r:embed="rId2">
+            <a:extLst>
+              <a:ext uri="{28A0092B-C50C-407E-A947-70E740481C1C}">
+                <a14:useLocalDpi xmlns:a14="http://schemas.microsoft.com/office/drawing/2010/main" val="0"/>
+              </a:ext>
+            </a:extLst>
+          </a:blip>
+          <a:stretch>
+            <a:fillRect/>
+          </a:stretch>
+        </p:blipFill>
+        <p:spPr>
+          <a:xfrm>
+            <a:off x="1974823" y="541816"/>
+            <a:ext cx="8239177" cy="5774367"/>
+          </a:xfrm>
+        </p:spPr>
+      </p:pic>
     </p:spTree>
     <p:extLst>
       <p:ext uri="{BB962C8B-B14F-4D97-AF65-F5344CB8AC3E}">
-        <p14:creationId xmlns:p14="http://schemas.microsoft.com/office/powerpoint/2010/main" val="3729806697"/>
+        <p14:creationId xmlns:p14="http://schemas.microsoft.com/office/powerpoint/2010/main" val="2929792582"/>
       </p:ext>
     </p:extLst>
   </p:cSld>
